--- a/课程学习/LS03/ch03.pptx
+++ b/课程学习/LS03/ch03.pptx
@@ -5,23 +5,23 @@
     <p:sldMasterId id="2147483648" r:id="rId1"/>
   </p:sldMasterIdLst>
   <p:notesMasterIdLst>
-    <p:notesMasterId r:id="rId6"/>
+    <p:notesMasterId r:id="rId16"/>
   </p:notesMasterIdLst>
   <p:sldIdLst>
-    <p:sldId id="1117" r:id="rId3"/>
-    <p:sldId id="1121" r:id="rId4"/>
-    <p:sldId id="1120" r:id="rId5"/>
-    <p:sldId id="1123" r:id="rId7"/>
-    <p:sldId id="1139" r:id="rId8"/>
-    <p:sldId id="1141" r:id="rId9"/>
-    <p:sldId id="1124" r:id="rId10"/>
-    <p:sldId id="1132" r:id="rId11"/>
-    <p:sldId id="1133" r:id="rId12"/>
-    <p:sldId id="1134" r:id="rId13"/>
-    <p:sldId id="1140" r:id="rId14"/>
-    <p:sldId id="1137" r:id="rId15"/>
-    <p:sldId id="1138" r:id="rId16"/>
-    <p:sldId id="1128" r:id="rId17"/>
+    <p:sldId id="1117" r:id="rId2"/>
+    <p:sldId id="1121" r:id="rId3"/>
+    <p:sldId id="1120" r:id="rId4"/>
+    <p:sldId id="1123" r:id="rId5"/>
+    <p:sldId id="1139" r:id="rId6"/>
+    <p:sldId id="1141" r:id="rId7"/>
+    <p:sldId id="1124" r:id="rId8"/>
+    <p:sldId id="1132" r:id="rId9"/>
+    <p:sldId id="1133" r:id="rId10"/>
+    <p:sldId id="1134" r:id="rId11"/>
+    <p:sldId id="1140" r:id="rId12"/>
+    <p:sldId id="1137" r:id="rId13"/>
+    <p:sldId id="1138" r:id="rId14"/>
+    <p:sldId id="1128" r:id="rId15"/>
   </p:sldIdLst>
   <p:sldSz cx="12192000" cy="6858000"/>
   <p:notesSz cx="6797675" cy="9928225"/>
@@ -150,6 +150,41 @@
       </a:defRPr>
     </a:lvl9pPr>
   </p:defaultTextStyle>
+  <p:extLst>
+    <p:ext uri="{EFAFB233-063F-42B5-8137-9DF3F51BA10A}">
+      <p15:sldGuideLst xmlns:p15="http://schemas.microsoft.com/office/powerpoint/2012/main">
+        <p15:guide id="1" orient="horz" pos="1518">
+          <p15:clr>
+            <a:srgbClr val="A4A3A4"/>
+          </p15:clr>
+        </p15:guide>
+        <p15:guide id="2" pos="1856">
+          <p15:clr>
+            <a:srgbClr val="A4A3A4"/>
+          </p15:clr>
+        </p15:guide>
+        <p15:guide id="3" pos="7519">
+          <p15:clr>
+            <a:srgbClr val="A4A3A4"/>
+          </p15:clr>
+        </p15:guide>
+      </p15:sldGuideLst>
+    </p:ext>
+    <p:ext uri="{2D200454-40CA-4A62-9FC3-DE9A4176ACB9}">
+      <p15:notesGuideLst xmlns:p15="http://schemas.microsoft.com/office/powerpoint/2012/main">
+        <p15:guide id="1" orient="horz" pos="3110">
+          <p15:clr>
+            <a:srgbClr val="A4A3A4"/>
+          </p15:clr>
+        </p15:guide>
+        <p15:guide id="2" pos="2120">
+          <p15:clr>
+            <a:srgbClr val="A4A3A4"/>
+          </p15:clr>
+        </p15:guide>
+      </p15:notesGuideLst>
+    </p:ext>
+  </p:extLst>
 </p:presentation>
 </file>
 
@@ -335,42 +370,37 @@
           <a:p>
             <a:pPr lvl="0"/>
             <a:r>
-              <a:rPr lang="zh-CN" altLang="zh-CN" noProof="0" smtClean="0"/>
+              <a:rPr lang="zh-CN" altLang="zh-CN" noProof="0"/>
               <a:t>                                                   </a:t>
             </a:r>
-            <a:endParaRPr lang="zh-CN" altLang="zh-CN" noProof="0" smtClean="0"/>
           </a:p>
           <a:p>
             <a:pPr lvl="1"/>
             <a:r>
-              <a:rPr lang="zh-CN" altLang="zh-CN" noProof="0" smtClean="0"/>
+              <a:rPr lang="zh-CN" altLang="zh-CN" noProof="0"/>
               <a:t>               </a:t>
             </a:r>
-            <a:endParaRPr lang="zh-CN" altLang="zh-CN" noProof="0" smtClean="0"/>
           </a:p>
           <a:p>
             <a:pPr lvl="2"/>
             <a:r>
-              <a:rPr lang="zh-CN" altLang="zh-CN" noProof="0" smtClean="0"/>
+              <a:rPr lang="zh-CN" altLang="zh-CN" noProof="0"/>
               <a:t>                </a:t>
             </a:r>
-            <a:endParaRPr lang="zh-CN" altLang="zh-CN" noProof="0" smtClean="0"/>
           </a:p>
           <a:p>
             <a:pPr lvl="3"/>
             <a:r>
-              <a:rPr lang="zh-CN" altLang="zh-CN" noProof="0" smtClean="0"/>
+              <a:rPr lang="zh-CN" altLang="zh-CN" noProof="0"/>
               <a:t>                </a:t>
             </a:r>
-            <a:endParaRPr lang="zh-CN" altLang="zh-CN" noProof="0" smtClean="0"/>
           </a:p>
           <a:p>
             <a:pPr lvl="4"/>
             <a:r>
-              <a:rPr lang="zh-CN" altLang="zh-CN" noProof="0" smtClean="0"/>
+              <a:rPr lang="zh-CN" altLang="zh-CN" noProof="0"/>
               <a:t>                </a:t>
             </a:r>
-            <a:endParaRPr lang="zh-CN" altLang="zh-CN" noProof="0" smtClean="0"/>
           </a:p>
         </p:txBody>
       </p:sp>
@@ -456,6 +486,7 @@
             </a:pPr>
             <a:fld id="{50FA7BE5-9B7D-4F20-881C-9A0B90E6FF72}" type="slidenum">
               <a:rPr lang="zh-CN" altLang="zh-CN"/>
+              <a:t>‹#›</a:t>
             </a:fld>
             <a:endParaRPr lang="zh-CN" altLang="zh-CN"/>
           </a:p>
@@ -634,10 +665,9 @@
           <a:lstStyle/>
           <a:p>
             <a:r>
-              <a:rPr lang="zh-CN" altLang="en-US" dirty="0" smtClean="0"/>
+              <a:rPr lang="zh-CN" altLang="en-US" dirty="0"/>
               <a:t>脚本语言是由传统编程语言简化而来的语言，因此有很多相似之处。</a:t>
             </a:r>
-            <a:endParaRPr lang="zh-CN" altLang="en-US" dirty="0"/>
           </a:p>
         </p:txBody>
       </p:sp>
@@ -661,6 +691,7 @@
             </a:pPr>
             <a:fld id="{50FA7BE5-9B7D-4F20-881C-9A0B90E6FF72}" type="slidenum">
               <a:rPr lang="zh-CN" altLang="zh-CN" smtClean="0"/>
+              <a:t>3</a:t>
             </a:fld>
             <a:endParaRPr lang="zh-CN" altLang="zh-CN"/>
           </a:p>
@@ -719,10 +750,9 @@
           <a:lstStyle/>
           <a:p>
             <a:r>
-              <a:rPr lang="zh-CN" altLang="en-US" dirty="0" smtClean="0"/>
+              <a:rPr lang="zh-CN" altLang="en-US" dirty="0"/>
               <a:t>脚本语言是由传统编程语言简化而来的语言，因此有很多相似之处。</a:t>
             </a:r>
-            <a:endParaRPr lang="zh-CN" altLang="en-US" dirty="0"/>
           </a:p>
         </p:txBody>
       </p:sp>
@@ -746,6 +776,7 @@
             </a:pPr>
             <a:fld id="{50FA7BE5-9B7D-4F20-881C-9A0B90E6FF72}" type="slidenum">
               <a:rPr lang="zh-CN" altLang="zh-CN" smtClean="0"/>
+              <a:t>4</a:t>
             </a:fld>
             <a:endParaRPr lang="zh-CN" altLang="zh-CN"/>
           </a:p>
@@ -804,10 +835,9 @@
           <a:lstStyle/>
           <a:p>
             <a:r>
-              <a:rPr lang="zh-CN" altLang="en-US" dirty="0" smtClean="0"/>
+              <a:rPr lang="zh-CN" altLang="en-US" dirty="0"/>
               <a:t>脚本语言是由传统编程语言简化而来的语言，因此有很多相似之处。</a:t>
             </a:r>
-            <a:endParaRPr lang="zh-CN" altLang="en-US" dirty="0"/>
           </a:p>
         </p:txBody>
       </p:sp>
@@ -831,6 +861,7 @@
             </a:pPr>
             <a:fld id="{50FA7BE5-9B7D-4F20-881C-9A0B90E6FF72}" type="slidenum">
               <a:rPr lang="zh-CN" altLang="zh-CN" smtClean="0"/>
+              <a:t>6</a:t>
             </a:fld>
             <a:endParaRPr lang="zh-CN" altLang="zh-CN"/>
           </a:p>
@@ -889,10 +920,9 @@
           <a:lstStyle/>
           <a:p>
             <a:r>
-              <a:rPr lang="zh-CN" altLang="en-US" dirty="0" smtClean="0"/>
+              <a:rPr lang="zh-CN" altLang="en-US" dirty="0"/>
               <a:t>脚本语言是由传统编程语言简化而来的语言，因此有很多相似之处。</a:t>
             </a:r>
-            <a:endParaRPr lang="zh-CN" altLang="en-US" dirty="0"/>
           </a:p>
         </p:txBody>
       </p:sp>
@@ -916,6 +946,7 @@
             </a:pPr>
             <a:fld id="{50FA7BE5-9B7D-4F20-881C-9A0B90E6FF72}" type="slidenum">
               <a:rPr lang="zh-CN" altLang="zh-CN" smtClean="0"/>
+              <a:t>7</a:t>
             </a:fld>
             <a:endParaRPr lang="zh-CN" altLang="zh-CN"/>
           </a:p>
@@ -974,10 +1005,9 @@
           <a:lstStyle/>
           <a:p>
             <a:r>
-              <a:rPr lang="zh-CN" altLang="en-US" dirty="0" smtClean="0"/>
+              <a:rPr lang="zh-CN" altLang="en-US" dirty="0"/>
               <a:t>脚本语言是由传统编程语言简化而来的语言，因此有很多相似之处。</a:t>
             </a:r>
-            <a:endParaRPr lang="zh-CN" altLang="en-US" dirty="0"/>
           </a:p>
         </p:txBody>
       </p:sp>
@@ -1001,6 +1031,7 @@
             </a:pPr>
             <a:fld id="{50FA7BE5-9B7D-4F20-881C-9A0B90E6FF72}" type="slidenum">
               <a:rPr lang="zh-CN" altLang="zh-CN" smtClean="0"/>
+              <a:t>8</a:t>
             </a:fld>
             <a:endParaRPr lang="zh-CN" altLang="zh-CN"/>
           </a:p>
@@ -1059,10 +1090,9 @@
           <a:lstStyle/>
           <a:p>
             <a:r>
-              <a:rPr lang="zh-CN" altLang="en-US" dirty="0" smtClean="0"/>
+              <a:rPr lang="zh-CN" altLang="en-US" dirty="0"/>
               <a:t>脚本语言是由传统编程语言简化而来的语言，因此有很多相似之处。</a:t>
             </a:r>
-            <a:endParaRPr lang="zh-CN" altLang="en-US" dirty="0"/>
           </a:p>
         </p:txBody>
       </p:sp>
@@ -1086,6 +1116,7 @@
             </a:pPr>
             <a:fld id="{50FA7BE5-9B7D-4F20-881C-9A0B90E6FF72}" type="slidenum">
               <a:rPr lang="zh-CN" altLang="zh-CN" smtClean="0"/>
+              <a:t>9</a:t>
             </a:fld>
             <a:endParaRPr lang="zh-CN" altLang="zh-CN"/>
           </a:p>
@@ -1144,10 +1175,9 @@
           <a:lstStyle/>
           <a:p>
             <a:r>
-              <a:rPr lang="zh-CN" altLang="en-US" dirty="0" smtClean="0"/>
+              <a:rPr lang="zh-CN" altLang="en-US" dirty="0"/>
               <a:t>脚本语言是由传统编程语言简化而来的语言，因此有很多相似之处。</a:t>
             </a:r>
-            <a:endParaRPr lang="zh-CN" altLang="en-US" dirty="0"/>
           </a:p>
         </p:txBody>
       </p:sp>
@@ -1171,6 +1201,7 @@
             </a:pPr>
             <a:fld id="{50FA7BE5-9B7D-4F20-881C-9A0B90E6FF72}" type="slidenum">
               <a:rPr lang="zh-CN" altLang="zh-CN" smtClean="0"/>
+              <a:t>10</a:t>
             </a:fld>
             <a:endParaRPr lang="zh-CN" altLang="zh-CN"/>
           </a:p>
@@ -1229,10 +1260,9 @@
           <a:lstStyle/>
           <a:p>
             <a:r>
-              <a:rPr lang="zh-CN" altLang="en-US" dirty="0" smtClean="0"/>
+              <a:rPr lang="zh-CN" altLang="en-US" dirty="0"/>
               <a:t>脚本语言是由传统编程语言简化而来的语言，因此有很多相似之处。</a:t>
             </a:r>
-            <a:endParaRPr lang="zh-CN" altLang="en-US" dirty="0"/>
           </a:p>
         </p:txBody>
       </p:sp>
@@ -1256,6 +1286,7 @@
             </a:pPr>
             <a:fld id="{50FA7BE5-9B7D-4F20-881C-9A0B90E6FF72}" type="slidenum">
               <a:rPr lang="zh-CN" altLang="zh-CN" smtClean="0"/>
+              <a:t>12</a:t>
             </a:fld>
             <a:endParaRPr lang="zh-CN" altLang="zh-CN"/>
           </a:p>
@@ -1334,6 +1365,7 @@
           <a:p>
             <a:fld id="{D9AFD278-84AA-4CAA-9049-809825956FE0}" type="slidenum">
               <a:rPr lang="en-US" altLang="zh-CN" smtClean="0"/>
+              <a:t>14</a:t>
             </a:fld>
             <a:endParaRPr lang="zh-CN" altLang="zh-CN"/>
           </a:p>
@@ -1426,34 +1458,30 @@
           <a:p>
             <a:pPr lvl="0"/>
             <a:r>
-              <a:rPr lang="zh-CN" altLang="en-US" dirty="0" smtClean="0"/>
+              <a:rPr lang="zh-CN" altLang="en-US" dirty="0"/>
               <a:t>单击此处编辑母版文本样式</a:t>
             </a:r>
-            <a:endParaRPr lang="zh-CN" altLang="en-US" dirty="0" smtClean="0"/>
           </a:p>
           <a:p>
             <a:pPr lvl="1"/>
             <a:r>
-              <a:rPr lang="zh-CN" altLang="en-US" dirty="0" smtClean="0"/>
+              <a:rPr lang="zh-CN" altLang="en-US" dirty="0"/>
               <a:t>第二级</a:t>
             </a:r>
-            <a:endParaRPr lang="zh-CN" altLang="en-US" dirty="0" smtClean="0"/>
           </a:p>
           <a:p>
             <a:pPr lvl="2"/>
             <a:r>
-              <a:rPr lang="zh-CN" altLang="en-US" dirty="0" smtClean="0"/>
+              <a:rPr lang="zh-CN" altLang="en-US" dirty="0"/>
               <a:t>第三级</a:t>
             </a:r>
-            <a:endParaRPr lang="zh-CN" altLang="en-US" dirty="0" smtClean="0"/>
           </a:p>
           <a:p>
             <a:pPr lvl="3"/>
             <a:r>
-              <a:rPr lang="zh-CN" altLang="en-US" dirty="0" smtClean="0"/>
+              <a:rPr lang="zh-CN" altLang="en-US" dirty="0"/>
               <a:t>第四级</a:t>
             </a:r>
-            <a:endParaRPr lang="zh-CN" altLang="en-US" dirty="0" smtClean="0"/>
           </a:p>
         </p:txBody>
       </p:sp>
@@ -1512,10 +1540,9 @@
           <a:p>
             <a:pPr lvl="0"/>
             <a:r>
-              <a:rPr lang="zh-CN" altLang="en-US" dirty="0" smtClean="0"/>
+              <a:rPr lang="zh-CN" altLang="en-US" dirty="0"/>
               <a:t>单击此处编辑母版文本样式</a:t>
             </a:r>
-            <a:endParaRPr lang="zh-CN" altLang="en-US" dirty="0" smtClean="0"/>
           </a:p>
         </p:txBody>
       </p:sp>
@@ -1568,6 +1595,7 @@
             </a:pPr>
             <a:fld id="{4BCD4F28-99F7-483B-9A2D-5E3B2E8C9EEF}" type="slidenum">
               <a:rPr lang="zh-CN" altLang="zh-CN"/>
+              <a:t>‹#›</a:t>
             </a:fld>
             <a:endParaRPr lang="zh-CN" altLang="zh-CN" sz="3200" b="0"/>
           </a:p>
@@ -1648,34 +1676,30 @@
           <a:p>
             <a:pPr lvl="0"/>
             <a:r>
-              <a:rPr lang="zh-CN" altLang="en-US" dirty="0" smtClean="0"/>
+              <a:rPr lang="zh-CN" altLang="en-US" dirty="0"/>
               <a:t>单击此处编辑母版文本样式</a:t>
             </a:r>
-            <a:endParaRPr lang="zh-CN" altLang="en-US" dirty="0" smtClean="0"/>
           </a:p>
           <a:p>
             <a:pPr lvl="1"/>
             <a:r>
-              <a:rPr lang="zh-CN" altLang="en-US" dirty="0" smtClean="0"/>
+              <a:rPr lang="zh-CN" altLang="en-US" dirty="0"/>
               <a:t>第二级</a:t>
             </a:r>
-            <a:endParaRPr lang="zh-CN" altLang="en-US" dirty="0" smtClean="0"/>
           </a:p>
           <a:p>
             <a:pPr lvl="2"/>
             <a:r>
-              <a:rPr lang="zh-CN" altLang="en-US" dirty="0" smtClean="0"/>
+              <a:rPr lang="zh-CN" altLang="en-US" dirty="0"/>
               <a:t>第三级</a:t>
             </a:r>
-            <a:endParaRPr lang="zh-CN" altLang="en-US" dirty="0" smtClean="0"/>
           </a:p>
           <a:p>
             <a:pPr lvl="3"/>
             <a:r>
-              <a:rPr lang="zh-CN" altLang="en-US" dirty="0" smtClean="0"/>
+              <a:rPr lang="zh-CN" altLang="en-US" dirty="0"/>
               <a:t>第四级</a:t>
             </a:r>
-            <a:endParaRPr lang="zh-CN" altLang="en-US" dirty="0" smtClean="0"/>
           </a:p>
         </p:txBody>
       </p:sp>
@@ -1734,10 +1758,9 @@
           <a:p>
             <a:pPr lvl="0"/>
             <a:r>
-              <a:rPr lang="zh-CN" altLang="en-US" dirty="0" smtClean="0"/>
+              <a:rPr lang="zh-CN" altLang="en-US" dirty="0"/>
               <a:t>单击此处编辑母版文本样式</a:t>
             </a:r>
-            <a:endParaRPr lang="zh-CN" altLang="en-US" dirty="0" smtClean="0"/>
           </a:p>
         </p:txBody>
       </p:sp>
@@ -1798,6 +1821,7 @@
             </a:pPr>
             <a:fld id="{4BCD4F28-99F7-483B-9A2D-5E3B2E8C9EEF}" type="slidenum">
               <a:rPr lang="zh-CN" altLang="zh-CN"/>
+              <a:t>‹#›</a:t>
             </a:fld>
             <a:endParaRPr lang="zh-CN" altLang="zh-CN" sz="3200" b="0"/>
           </a:p>
@@ -1812,7 +1836,7 @@
 </file>
 
 <file path=ppt/slideLayouts/slideLayout5.xml><?xml version="1.0" encoding="utf-8"?>
-<p:sldLayout xmlns:a="http://schemas.openxmlformats.org/drawingml/2006/main" xmlns:r="http://schemas.openxmlformats.org/officeDocument/2006/relationships" xmlns:p="http://schemas.openxmlformats.org/presentationml/2006/main" preserve="1" showMasterSp="0" userDrawn="1">
+<p:sldLayout xmlns:a="http://schemas.openxmlformats.org/drawingml/2006/main" xmlns:r="http://schemas.openxmlformats.org/officeDocument/2006/relationships" xmlns:p="http://schemas.openxmlformats.org/presentationml/2006/main" showMasterSp="0" preserve="1" userDrawn="1">
   <p:cSld name="标题幻灯片">
     <p:spTree>
       <p:nvGrpSpPr>
@@ -1988,10 +2012,9 @@
           <a:p>
             <a:pPr lvl="0"/>
             <a:r>
-              <a:rPr lang="zh-CN" altLang="en-US" dirty="0" smtClean="0"/>
+              <a:rPr lang="zh-CN" altLang="en-US" dirty="0"/>
               <a:t>单击此处编辑母版标题样式</a:t>
             </a:r>
-            <a:endParaRPr lang="zh-CN" altLang="en-US" dirty="0" smtClean="0"/>
           </a:p>
         </p:txBody>
       </p:sp>
@@ -2000,13 +2023,6 @@
   <p:clrMapOvr>
     <a:masterClrMapping/>
   </p:clrMapOvr>
-  <p:timing>
-    <p:tnLst>
-      <p:par>
-        <p:cTn id="1" dur="indefinite" restart="never" nodeType="tmRoot"/>
-      </p:par>
-    </p:tnLst>
-  </p:timing>
 </p:sldLayout>
 </file>
 
@@ -2016,7 +2032,7 @@
     <p:bg bwMode="auto">
       <p:bgPr>
         <a:blipFill dpi="0" rotWithShape="0">
-          <a:blip r:embed="rId6" cstate="print"/>
+          <a:blip r:embed="rId7" cstate="print"/>
           <a:srcRect/>
           <a:stretch>
             <a:fillRect/>
@@ -2079,6 +2095,7 @@
             </a:pPr>
             <a:fld id="{2A4DE254-CAD5-4B8E-9712-9468A839C993}" type="slidenum">
               <a:rPr lang="zh-CN" altLang="zh-CN"/>
+              <a:t>‹#›</a:t>
             </a:fld>
             <a:endParaRPr lang="zh-CN" altLang="zh-CN"/>
           </a:p>
@@ -2093,7 +2110,7 @@
           <p:nvPr/>
         </p:nvPicPr>
         <p:blipFill>
-          <a:blip r:embed="rId7" cstate="print">
+          <a:blip r:embed="rId8" cstate="print">
             <a:extLst>
               <a:ext uri="{28A0092B-C50C-407E-A947-70E740481C1C}">
                 <a14:useLocalDpi xmlns:a14="http://schemas.microsoft.com/office/drawing/2010/main" val="0"/>
@@ -2147,7 +2164,7 @@
           <p:nvPr/>
         </p:nvPicPr>
         <p:blipFill>
-          <a:blip r:embed="rId8" cstate="print">
+          <a:blip r:embed="rId9" cstate="print">
             <a:extLst>
               <a:ext uri="{28A0092B-C50C-407E-A947-70E740481C1C}">
                 <a14:useLocalDpi xmlns:a14="http://schemas.microsoft.com/office/drawing/2010/main" val="0"/>
@@ -2202,13 +2219,6 @@
     <p:sldLayoutId id="2147483652" r:id="rId4"/>
     <p:sldLayoutId id="2147483653" r:id="rId5"/>
   </p:sldLayoutIdLst>
-  <p:timing>
-    <p:tnLst>
-      <p:par>
-        <p:cTn id="1" dur="indefinite" restart="never" nodeType="tmRoot"/>
-      </p:par>
-    </p:tnLst>
-  </p:timing>
   <p:txStyles>
     <p:titleStyle>
       <a:lvl1pPr algn="l" rtl="0" eaLnBrk="0" fontAlgn="base" hangingPunct="0">
@@ -2648,7 +2658,7 @@
           <p:nvPr/>
         </p:nvPicPr>
         <p:blipFill>
-          <a:blip r:embed="rId1">
+          <a:blip r:embed="rId2">
             <a:extLst>
               <a:ext uri="{28A0092B-C50C-407E-A947-70E740481C1C}">
                 <a14:useLocalDpi xmlns:a14="http://schemas.microsoft.com/office/drawing/2010/main" val="0"/>
@@ -2922,9 +2932,6 @@
               </a:rPr>
               <a:t>基本（原始）数据类型进阶</a:t>
             </a:r>
-            <a:endParaRPr dirty="0">
-              <a:sym typeface="+mn-ea"/>
-            </a:endParaRPr>
           </a:p>
         </p:txBody>
       </p:sp>
@@ -2937,7 +2944,7 @@
           <p:nvPr/>
         </p:nvPicPr>
         <p:blipFill>
-          <a:blip r:embed="rId2">
+          <a:blip r:embed="rId3">
             <a:extLst>
               <a:ext uri="{28A0092B-C50C-407E-A947-70E740481C1C}">
                 <a14:useLocalDpi xmlns:a14="http://schemas.microsoft.com/office/drawing/2010/main" val="0"/>
@@ -2988,13 +2995,6 @@
     <a:masterClrMapping/>
   </p:clrMapOvr>
   <p:transition advClick="0"/>
-  <p:timing>
-    <p:tnLst>
-      <p:par>
-        <p:cTn id="1" dur="indefinite" restart="never" nodeType="tmRoot"/>
-      </p:par>
-    </p:tnLst>
-  </p:timing>
 </p:sld>
 </file>
 
@@ -3249,14 +3249,13 @@
           <a:lstStyle/>
           <a:p>
             <a:r>
-              <a:rPr lang="en-US" altLang="zh-CN" dirty="0" smtClean="0"/>
+              <a:rPr lang="en-US" altLang="zh-CN" dirty="0"/>
               <a:t>String</a:t>
             </a:r>
             <a:r>
-              <a:rPr lang="zh-CN" altLang="en-US" dirty="0" smtClean="0"/>
+              <a:rPr lang="zh-CN" altLang="en-US" dirty="0"/>
               <a:t>进阶</a:t>
             </a:r>
-            <a:endParaRPr lang="zh-CN" altLang="en-US" dirty="0" smtClean="0"/>
           </a:p>
         </p:txBody>
       </p:sp>
@@ -3398,13 +3397,6 @@
   <p:clrMapOvr>
     <a:masterClrMapping/>
   </p:clrMapOvr>
-  <p:timing>
-    <p:tnLst>
-      <p:par>
-        <p:cTn id="1" dur="indefinite" restart="never" nodeType="tmRoot"/>
-      </p:par>
-    </p:tnLst>
-  </p:timing>
 </p:sld>
 </file>
 
@@ -3625,10 +3617,9 @@
           </a:lstStyle>
           <a:p>
             <a:r>
-              <a:rPr lang="zh-CN" dirty="0" smtClean="0"/>
+              <a:rPr lang="zh-CN" dirty="0"/>
               <a:t>内容刚要</a:t>
             </a:r>
-            <a:endParaRPr lang="zh-CN" dirty="0" smtClean="0"/>
           </a:p>
         </p:txBody>
       </p:sp>
@@ -3803,12 +3794,6 @@
               </a:rPr>
               <a:t>Number</a:t>
             </a:r>
-            <a:endParaRPr lang="en-US" altLang="zh-CN" sz="2800" b="1">
-              <a:solidFill>
-                <a:schemeClr val="tx1"/>
-              </a:solidFill>
-              <a:sym typeface="+mn-ea"/>
-            </a:endParaRPr>
           </a:p>
           <a:p>
             <a:pPr algn="l">
@@ -3878,13 +3863,6 @@
   <p:clrMapOvr>
     <a:masterClrMapping/>
   </p:clrMapOvr>
-  <p:timing>
-    <p:tnLst>
-      <p:par>
-        <p:cTn id="1" dur="indefinite" restart="never" nodeType="tmRoot"/>
-      </p:par>
-    </p:tnLst>
-  </p:timing>
 </p:sld>
 </file>
 
@@ -3933,16 +3911,11 @@
             <a:r>
               <a:rPr lang="zh-CN" altLang="en-US" sz="3200" dirty="0">
                 <a:solidFill>
-                  <a:schemeClr val="tx1"/>
+                  <a:srgbClr val="00B050"/>
                 </a:solidFill>
               </a:rPr>
               <a:t>所有对象都是真值</a:t>
             </a:r>
-            <a:endParaRPr lang="zh-CN" altLang="en-US" sz="3200" dirty="0">
-              <a:solidFill>
-                <a:schemeClr val="tx1"/>
-              </a:solidFill>
-            </a:endParaRPr>
           </a:p>
           <a:p>
             <a:pPr>
@@ -4105,14 +4078,13 @@
           <a:lstStyle/>
           <a:p>
             <a:r>
-              <a:rPr lang="en-US" altLang="zh-CN" dirty="0" smtClean="0"/>
+              <a:rPr lang="en-US" altLang="zh-CN" dirty="0"/>
               <a:t>Boolean</a:t>
             </a:r>
             <a:r>
-              <a:rPr lang="zh-CN" altLang="en-US" dirty="0" smtClean="0"/>
+              <a:rPr lang="zh-CN" altLang="en-US" dirty="0"/>
               <a:t>进阶</a:t>
             </a:r>
-            <a:endParaRPr lang="zh-CN" altLang="en-US" dirty="0" smtClean="0"/>
           </a:p>
         </p:txBody>
       </p:sp>
@@ -4125,7 +4097,7 @@
           <p:nvPr/>
         </p:nvPicPr>
         <p:blipFill>
-          <a:blip r:embed="rId1"/>
+          <a:blip r:embed="rId3"/>
           <a:stretch>
             <a:fillRect/>
           </a:stretch>
@@ -4223,13 +4195,6 @@
   <p:clrMapOvr>
     <a:masterClrMapping/>
   </p:clrMapOvr>
-  <p:timing>
-    <p:tnLst>
-      <p:par>
-        <p:cTn id="1" dur="indefinite" restart="never" nodeType="tmRoot"/>
-      </p:par>
-    </p:tnLst>
-  </p:timing>
 </p:sld>
 </file>
 
@@ -4259,7 +4224,7 @@
           <p:nvPr/>
         </p:nvPicPr>
         <p:blipFill>
-          <a:blip r:embed="rId1" cstate="print">
+          <a:blip r:embed="rId2" cstate="print">
             <a:extLst>
               <a:ext uri="{28A0092B-C50C-407E-A947-70E740481C1C}">
                 <a14:useLocalDpi xmlns:a14="http://schemas.microsoft.com/office/drawing/2010/main" val="0"/>
@@ -4372,11 +4337,6 @@
               </a:rPr>
               <a:t>！</a:t>
             </a:r>
-            <a:endParaRPr lang="zh-CN" altLang="en-US" sz="5400">
-              <a:solidFill>
-                <a:schemeClr val="tx2"/>
-              </a:solidFill>
-            </a:endParaRPr>
           </a:p>
         </p:txBody>
       </p:sp>
@@ -4389,7 +4349,7 @@
           <p:nvPr/>
         </p:nvPicPr>
         <p:blipFill>
-          <a:blip r:embed="rId2" cstate="print">
+          <a:blip r:embed="rId3" cstate="print">
             <a:extLst>
               <a:ext uri="{28A0092B-C50C-407E-A947-70E740481C1C}">
                 <a14:useLocalDpi xmlns:a14="http://schemas.microsoft.com/office/drawing/2010/main" val="0"/>
@@ -4439,13 +4399,6 @@
   <p:clrMapOvr>
     <a:masterClrMapping/>
   </p:clrMapOvr>
-  <p:timing>
-    <p:tnLst>
-      <p:par>
-        <p:cTn id="1" dur="indefinite" restart="never" nodeType="tmRoot"/>
-      </p:par>
-    </p:tnLst>
-  </p:timing>
 </p:sld>
 </file>
 
@@ -4512,7 +4465,7 @@
               </a:lnSpc>
             </a:pPr>
             <a:r>
-              <a:rPr kumimoji="0" lang="en-US" altLang="zh-CN" sz="3200" dirty="0" smtClean="0">
+              <a:rPr kumimoji="0" lang="en-US" altLang="zh-CN" sz="3200" dirty="0">
                 <a:solidFill>
                   <a:schemeClr val="tx1"/>
                 </a:solidFill>
@@ -4521,7 +4474,7 @@
               <a:t> </a:t>
             </a:r>
             <a:r>
-              <a:rPr kumimoji="0" lang="zh-CN" altLang="en-US" sz="3200" dirty="0" smtClean="0">
+              <a:rPr kumimoji="0" lang="zh-CN" altLang="en-US" sz="3200" dirty="0">
                 <a:solidFill>
                   <a:schemeClr val="tx1"/>
                 </a:solidFill>
@@ -4529,7 +4482,14 @@
               </a:rPr>
               <a:t>复习本章课件及练习</a:t>
             </a:r>
-            <a:endParaRPr kumimoji="0" lang="zh-CN" altLang="en-US" sz="3200" dirty="0" smtClean="0">
+          </a:p>
+          <a:p>
+            <a:pPr>
+              <a:lnSpc>
+                <a:spcPct val="130000"/>
+              </a:lnSpc>
+            </a:pPr>
+            <a:endParaRPr kumimoji="0" lang="zh-CN" altLang="en-US" sz="3200" dirty="0">
               <a:solidFill>
                 <a:schemeClr val="tx1"/>
               </a:solidFill>
@@ -4537,25 +4497,12 @@
             </a:endParaRPr>
           </a:p>
           <a:p>
-            <a:pPr>
-              <a:lnSpc>
-                <a:spcPct val="130000"/>
-              </a:lnSpc>
-            </a:pPr>
-            <a:endParaRPr kumimoji="0" lang="zh-CN" altLang="en-US" sz="3200" dirty="0" smtClean="0">
-              <a:solidFill>
-                <a:schemeClr val="tx1"/>
-              </a:solidFill>
-              <a:sym typeface="+mn-ea"/>
-            </a:endParaRPr>
-          </a:p>
-          <a:p>
             <a:pPr eaLnBrk="1" hangingPunct="1">
               <a:lnSpc>
                 <a:spcPct val="150000"/>
               </a:lnSpc>
             </a:pPr>
-            <a:endParaRPr kumimoji="0" lang="en-US" altLang="zh-CN" sz="3600" dirty="0" smtClean="0">
+            <a:endParaRPr kumimoji="0" lang="en-US" altLang="zh-CN" sz="3600" dirty="0">
               <a:solidFill>
                 <a:schemeClr val="tx1"/>
               </a:solidFill>
@@ -4567,7 +4514,7 @@
                 <a:spcPct val="150000"/>
               </a:lnSpc>
             </a:pPr>
-            <a:endParaRPr kumimoji="0" lang="zh-CN" altLang="en-US" dirty="0" smtClean="0">
+            <a:endParaRPr kumimoji="0" lang="zh-CN" altLang="en-US" dirty="0">
               <a:solidFill>
                 <a:schemeClr val="tx1"/>
               </a:solidFill>
@@ -4599,7 +4546,6 @@
               <a:rPr kumimoji="0" lang="zh-CN" dirty="0"/>
               <a:t>作业</a:t>
             </a:r>
-            <a:endParaRPr kumimoji="0" lang="zh-CN" dirty="0"/>
           </a:p>
         </p:txBody>
       </p:sp>
@@ -4608,13 +4554,6 @@
   <p:clrMapOvr>
     <a:masterClrMapping/>
   </p:clrMapOvr>
-  <p:timing>
-    <p:tnLst>
-      <p:par>
-        <p:cTn id="1" dur="indefinite" restart="never" nodeType="tmRoot"/>
-      </p:par>
-    </p:tnLst>
-  </p:timing>
 </p:sld>
 </file>
 
@@ -4835,10 +4774,9 @@
           </a:lstStyle>
           <a:p>
             <a:r>
-              <a:rPr lang="zh-CN" dirty="0" smtClean="0"/>
+              <a:rPr lang="zh-CN" dirty="0"/>
               <a:t>内容刚要</a:t>
             </a:r>
-            <a:endParaRPr lang="zh-CN" dirty="0" smtClean="0"/>
           </a:p>
         </p:txBody>
       </p:sp>
@@ -5084,13 +5022,6 @@
   <p:clrMapOvr>
     <a:masterClrMapping/>
   </p:clrMapOvr>
-  <p:timing>
-    <p:tnLst>
-      <p:par>
-        <p:cTn id="1" dur="indefinite" restart="never" nodeType="tmRoot"/>
-      </p:par>
-    </p:tnLst>
-  </p:timing>
 </p:sld>
 </file>
 
@@ -5193,11 +5124,6 @@
               </a:rPr>
               <a:t>基本数据类型属性或方法时创建临时包装对象，访问的都是对象中的属性或方法（注：访问对象属性时，首先访问自身属性，访问不到时，则会在原型链上寻找对应的属性和方法）</a:t>
             </a:r>
-            <a:endParaRPr lang="zh-CN" altLang="en-US" sz="3200" dirty="0">
-              <a:solidFill>
-                <a:schemeClr val="tx1"/>
-              </a:solidFill>
-            </a:endParaRPr>
           </a:p>
           <a:p>
             <a:pPr>
@@ -5248,16 +5174,15 @@
           <a:lstStyle/>
           <a:p>
             <a:r>
-              <a:rPr lang="en-US" altLang="zh-CN" dirty="0" smtClean="0">
+              <a:rPr lang="en-US" altLang="zh-CN" dirty="0">
                 <a:sym typeface="+mn-ea"/>
               </a:rPr>
               <a:t>Number</a:t>
             </a:r>
             <a:r>
-              <a:rPr lang="zh-CN" altLang="en-US" dirty="0" smtClean="0"/>
+              <a:rPr lang="zh-CN" altLang="en-US" dirty="0"/>
               <a:t>进阶</a:t>
             </a:r>
-            <a:endParaRPr lang="zh-CN" altLang="en-US" dirty="0" smtClean="0"/>
           </a:p>
         </p:txBody>
       </p:sp>
@@ -5270,7 +5195,7 @@
           <p:nvPr/>
         </p:nvPicPr>
         <p:blipFill>
-          <a:blip r:embed="rId1"/>
+          <a:blip r:embed="rId3"/>
           <a:stretch>
             <a:fillRect/>
           </a:stretch>
@@ -5290,13 +5215,6 @@
   <p:clrMapOvr>
     <a:masterClrMapping/>
   </p:clrMapOvr>
-  <p:timing>
-    <p:tnLst>
-      <p:par>
-        <p:cTn id="1" dur="indefinite" restart="never" nodeType="tmRoot"/>
-      </p:par>
-    </p:tnLst>
-  </p:timing>
 </p:sld>
 </file>
 
@@ -5484,12 +5402,6 @@
               </a:rPr>
               <a:t>toExponential(...)</a:t>
             </a:r>
-            <a:endParaRPr lang="en-US" altLang="zh-CN" sz="2200" dirty="0">
-              <a:solidFill>
-                <a:srgbClr val="FF0000"/>
-              </a:solidFill>
-              <a:sym typeface="+mn-ea"/>
-            </a:endParaRPr>
           </a:p>
           <a:p>
             <a:pPr>
@@ -5549,12 +5461,6 @@
               </a:rPr>
               <a:t>- Number.NaN、Number.NEGATIVE_INFINITY、Number.POSITIVE_INFINITY</a:t>
             </a:r>
-            <a:endParaRPr lang="en-US" altLang="zh-CN" sz="2000" dirty="0">
-              <a:solidFill>
-                <a:schemeClr val="tx1"/>
-              </a:solidFill>
-              <a:sym typeface="+mn-ea"/>
-            </a:endParaRPr>
           </a:p>
           <a:p>
             <a:pPr>
@@ -5654,14 +5560,13 @@
           <a:lstStyle/>
           <a:p>
             <a:r>
-              <a:rPr lang="en-US" altLang="zh-CN" dirty="0" smtClean="0"/>
+              <a:rPr lang="en-US" altLang="zh-CN" dirty="0"/>
               <a:t>Number</a:t>
             </a:r>
             <a:r>
-              <a:rPr lang="zh-CN" altLang="en-US" dirty="0" smtClean="0"/>
+              <a:rPr lang="zh-CN" altLang="en-US" dirty="0"/>
               <a:t>进阶</a:t>
             </a:r>
-            <a:endParaRPr lang="zh-CN" altLang="en-US" dirty="0" smtClean="0"/>
           </a:p>
         </p:txBody>
       </p:sp>
@@ -5708,13 +5613,6 @@
               </a:rPr>
               <a:t>demo13</a:t>
             </a:r>
-            <a:endParaRPr lang="en-US" altLang="zh-CN" sz="2200">
-              <a:solidFill>
-                <a:srgbClr val="FF0000"/>
-              </a:solidFill>
-              <a:latin typeface="+mn-ea"/>
-              <a:ea typeface="+mn-ea"/>
-            </a:endParaRPr>
           </a:p>
         </p:txBody>
       </p:sp>
@@ -5723,13 +5621,6 @@
   <p:clrMapOvr>
     <a:masterClrMapping/>
   </p:clrMapOvr>
-  <p:timing>
-    <p:tnLst>
-      <p:par>
-        <p:cTn id="1" dur="indefinite" restart="never" nodeType="tmRoot"/>
-      </p:par>
-    </p:tnLst>
-  </p:timing>
 </p:sld>
 </file>
 
@@ -5950,10 +5841,9 @@
           </a:lstStyle>
           <a:p>
             <a:r>
-              <a:rPr lang="zh-CN" dirty="0" smtClean="0"/>
+              <a:rPr lang="zh-CN" dirty="0"/>
               <a:t>内容刚要</a:t>
             </a:r>
-            <a:endParaRPr lang="zh-CN" dirty="0" smtClean="0"/>
           </a:p>
         </p:txBody>
       </p:sp>
@@ -6128,12 +6018,6 @@
               </a:rPr>
               <a:t>Number</a:t>
             </a:r>
-            <a:endParaRPr lang="en-US" altLang="zh-CN" sz="2800" b="1">
-              <a:solidFill>
-                <a:schemeClr val="tx1"/>
-              </a:solidFill>
-              <a:sym typeface="+mn-ea"/>
-            </a:endParaRPr>
           </a:p>
           <a:p>
             <a:pPr algn="l">
@@ -6161,12 +6045,6 @@
               </a:rPr>
               <a:t>String</a:t>
             </a:r>
-            <a:endParaRPr lang="en-US" altLang="zh-CN" sz="2800" b="1">
-              <a:solidFill>
-                <a:schemeClr val="accent3"/>
-              </a:solidFill>
-              <a:sym typeface="+mn-ea"/>
-            </a:endParaRPr>
           </a:p>
           <a:p>
             <a:pPr algn="l">
@@ -6204,13 +6082,6 @@
   <p:clrMapOvr>
     <a:masterClrMapping/>
   </p:clrMapOvr>
-  <p:timing>
-    <p:tnLst>
-      <p:par>
-        <p:cTn id="1" dur="indefinite" restart="never" nodeType="tmRoot"/>
-      </p:par>
-    </p:tnLst>
-  </p:timing>
 </p:sld>
 </file>
 
@@ -6389,14 +6260,13 @@
           <a:lstStyle/>
           <a:p>
             <a:r>
-              <a:rPr lang="en-US" altLang="zh-CN" dirty="0" smtClean="0"/>
+              <a:rPr lang="en-US" altLang="zh-CN" dirty="0"/>
               <a:t>String</a:t>
             </a:r>
             <a:r>
-              <a:rPr lang="zh-CN" altLang="en-US" dirty="0" smtClean="0"/>
+              <a:rPr lang="zh-CN" altLang="en-US" dirty="0"/>
               <a:t>进阶</a:t>
             </a:r>
-            <a:endParaRPr lang="zh-CN" altLang="en-US" dirty="0" smtClean="0"/>
           </a:p>
         </p:txBody>
       </p:sp>
@@ -6409,7 +6279,7 @@
           <p:nvPr/>
         </p:nvPicPr>
         <p:blipFill>
-          <a:blip r:embed="rId1"/>
+          <a:blip r:embed="rId3"/>
           <a:stretch>
             <a:fillRect/>
           </a:stretch>
@@ -6429,13 +6299,6 @@
   <p:clrMapOvr>
     <a:masterClrMapping/>
   </p:clrMapOvr>
-  <p:timing>
-    <p:tnLst>
-      <p:par>
-        <p:cTn id="1" dur="indefinite" restart="never" nodeType="tmRoot"/>
-      </p:par>
-    </p:tnLst>
-  </p:timing>
 </p:sld>
 </file>
 
@@ -6757,12 +6620,6 @@
               </a:rPr>
               <a:t>等）</a:t>
             </a:r>
-            <a:endParaRPr lang="zh-CN" altLang="en-US" sz="2000" dirty="0">
-              <a:solidFill>
-                <a:schemeClr val="tx1"/>
-              </a:solidFill>
-              <a:sym typeface="+mn-ea"/>
-            </a:endParaRPr>
           </a:p>
           <a:p>
             <a:pPr>
@@ -6814,12 +6671,6 @@
               </a:rPr>
               <a:t>类型转换、实例化字符串对象</a:t>
             </a:r>
-            <a:endParaRPr lang="zh-CN" altLang="en-US" sz="2000" dirty="0">
-              <a:solidFill>
-                <a:schemeClr val="tx1"/>
-              </a:solidFill>
-              <a:sym typeface="+mn-ea"/>
-            </a:endParaRPr>
           </a:p>
           <a:p>
             <a:pPr>
@@ -6908,14 +6759,13 @@
           <a:lstStyle/>
           <a:p>
             <a:r>
-              <a:rPr lang="en-US" altLang="zh-CN" dirty="0" smtClean="0"/>
+              <a:rPr lang="en-US" altLang="zh-CN" dirty="0"/>
               <a:t>String</a:t>
             </a:r>
             <a:r>
-              <a:rPr lang="zh-CN" altLang="en-US" dirty="0" smtClean="0"/>
+              <a:rPr lang="zh-CN" altLang="en-US" dirty="0"/>
               <a:t>进阶</a:t>
             </a:r>
-            <a:endParaRPr lang="zh-CN" altLang="en-US" dirty="0" smtClean="0"/>
           </a:p>
         </p:txBody>
       </p:sp>
@@ -6979,13 +6829,6 @@
   <p:clrMapOvr>
     <a:masterClrMapping/>
   </p:clrMapOvr>
-  <p:timing>
-    <p:tnLst>
-      <p:par>
-        <p:cTn id="1" dur="indefinite" restart="never" nodeType="tmRoot"/>
-      </p:par>
-    </p:tnLst>
-  </p:timing>
 </p:sld>
 </file>
 
@@ -7074,12 +6917,6 @@
               </a:rPr>
               <a:t>- String.fromCharCode.apply(null,[97,98,99]);</a:t>
             </a:r>
-            <a:endParaRPr lang="en-US" altLang="zh-CN" sz="2000" dirty="0">
-              <a:solidFill>
-                <a:schemeClr val="tx1"/>
-              </a:solidFill>
-              <a:sym typeface="+mn-ea"/>
-            </a:endParaRPr>
           </a:p>
           <a:p>
             <a:pPr>
@@ -7387,14 +7224,13 @@
           <a:lstStyle/>
           <a:p>
             <a:r>
-              <a:rPr lang="en-US" altLang="zh-CN" dirty="0" smtClean="0"/>
+              <a:rPr lang="en-US" altLang="zh-CN" dirty="0"/>
               <a:t>String</a:t>
             </a:r>
             <a:r>
-              <a:rPr lang="zh-CN" altLang="en-US" dirty="0" smtClean="0"/>
+              <a:rPr lang="zh-CN" altLang="en-US" dirty="0"/>
               <a:t>进阶</a:t>
             </a:r>
-            <a:endParaRPr lang="zh-CN" altLang="en-US" dirty="0" smtClean="0"/>
           </a:p>
         </p:txBody>
       </p:sp>
@@ -7441,13 +7277,6 @@
               </a:rPr>
               <a:t>demo14 Part1</a:t>
             </a:r>
-            <a:endParaRPr lang="en-US" altLang="zh-CN" sz="2200">
-              <a:solidFill>
-                <a:srgbClr val="FF0000"/>
-              </a:solidFill>
-              <a:latin typeface="+mn-ea"/>
-              <a:ea typeface="+mn-ea"/>
-            </a:endParaRPr>
           </a:p>
         </p:txBody>
       </p:sp>
@@ -7456,13 +7285,6 @@
   <p:clrMapOvr>
     <a:masterClrMapping/>
   </p:clrMapOvr>
-  <p:timing>
-    <p:tnLst>
-      <p:par>
-        <p:cTn id="1" dur="indefinite" restart="never" nodeType="tmRoot"/>
-      </p:par>
-    </p:tnLst>
-  </p:timing>
 </p:sld>
 </file>
 
@@ -7720,12 +7542,6 @@
               </a:rPr>
               <a:t>( );</a:t>
             </a:r>
-            <a:endParaRPr lang="en-US" altLang="zh-CN" sz="2000" dirty="0">
-              <a:solidFill>
-                <a:schemeClr val="tx1"/>
-              </a:solidFill>
-              <a:sym typeface="+mn-ea"/>
-            </a:endParaRPr>
           </a:p>
           <a:p>
             <a:pPr>
@@ -7866,12 +7682,6 @@
               </a:rPr>
               <a:t>(other);</a:t>
             </a:r>
-            <a:endParaRPr lang="en-US" altLang="zh-CN" sz="2000" dirty="0">
-              <a:solidFill>
-                <a:schemeClr val="tx1"/>
-              </a:solidFill>
-              <a:sym typeface="+mn-ea"/>
-            </a:endParaRPr>
           </a:p>
           <a:p>
             <a:pPr>
@@ -7947,14 +7757,13 @@
           <a:lstStyle/>
           <a:p>
             <a:r>
-              <a:rPr lang="en-US" altLang="zh-CN" dirty="0" smtClean="0"/>
+              <a:rPr lang="en-US" altLang="zh-CN" dirty="0"/>
               <a:t>String</a:t>
             </a:r>
             <a:r>
-              <a:rPr lang="zh-CN" altLang="en-US" dirty="0" smtClean="0"/>
+              <a:rPr lang="zh-CN" altLang="en-US" dirty="0"/>
               <a:t>进阶</a:t>
             </a:r>
-            <a:endParaRPr lang="zh-CN" altLang="en-US" dirty="0" smtClean="0"/>
           </a:p>
         </p:txBody>
       </p:sp>
@@ -8082,13 +7891,6 @@
   <p:clrMapOvr>
     <a:masterClrMapping/>
   </p:clrMapOvr>
-  <p:timing>
-    <p:tnLst>
-      <p:par>
-        <p:cTn id="1" dur="indefinite" restart="never" nodeType="tmRoot"/>
-      </p:par>
-    </p:tnLst>
-  </p:timing>
 </p:sld>
 </file>
 
@@ -8426,6 +8228,7 @@
       </a:lstStyle>
     </a:lnDef>
   </a:objectDefaults>
+  <a:extraClrSchemeLst/>
   <a:extLst>
     <a:ext uri="{05A4C25C-085E-4340-85A3-A5531E510DB2}">
       <thm15:themeFamily xmlns:thm15="http://schemas.microsoft.com/office/thememl/2012/main" name="Office Theme" id="{62F939B6-93AF-4DB8-9C6B-D6C7DFDC589F}" vid="{4A3C46E8-61CC-4603-A589-7422A47A8E4A}"/>
@@ -8712,6 +8515,8 @@
       </a:bgFillStyleLst>
     </a:fmtScheme>
   </a:themeElements>
+  <a:objectDefaults/>
+  <a:extraClrSchemeLst/>
   <a:extLst>
     <a:ext uri="{05A4C25C-085E-4340-85A3-A5531E510DB2}">
       <thm15:themeFamily xmlns:thm15="http://schemas.microsoft.com/office/thememl/2012/main" name="Office Theme" id="{62F939B6-93AF-4DB8-9C6B-D6C7DFDC589F}" vid="{4A3C46E8-61CC-4603-A589-7422A47A8E4A}"/>
